--- a/lesson6/Java-basic.pptx
+++ b/lesson6/Java-basic.pptx
@@ -295,7 +295,7 @@
             <a:fld id="{530820CF-B880-4189-942D-D702A7CBA730}" type="datetimeFigureOut">
               <a:rPr lang="zh-CN" altLang="en-US" smtClean="0"/>
               <a:pPr/>
-              <a:t>2015/4/14</a:t>
+              <a:t>2015/4/21</a:t>
             </a:fld>
             <a:endParaRPr lang="zh-CN" altLang="en-US"/>
           </a:p>
@@ -462,7 +462,7 @@
             <a:fld id="{530820CF-B880-4189-942D-D702A7CBA730}" type="datetimeFigureOut">
               <a:rPr lang="zh-CN" altLang="en-US" smtClean="0"/>
               <a:pPr/>
-              <a:t>2015/4/14</a:t>
+              <a:t>2015/4/21</a:t>
             </a:fld>
             <a:endParaRPr lang="zh-CN" altLang="en-US"/>
           </a:p>
@@ -639,7 +639,7 @@
             <a:fld id="{530820CF-B880-4189-942D-D702A7CBA730}" type="datetimeFigureOut">
               <a:rPr lang="zh-CN" altLang="en-US" smtClean="0"/>
               <a:pPr/>
-              <a:t>2015/4/14</a:t>
+              <a:t>2015/4/21</a:t>
             </a:fld>
             <a:endParaRPr lang="zh-CN" altLang="en-US"/>
           </a:p>
@@ -806,7 +806,7 @@
             <a:fld id="{530820CF-B880-4189-942D-D702A7CBA730}" type="datetimeFigureOut">
               <a:rPr lang="zh-CN" altLang="en-US" smtClean="0"/>
               <a:pPr/>
-              <a:t>2015/4/14</a:t>
+              <a:t>2015/4/21</a:t>
             </a:fld>
             <a:endParaRPr lang="zh-CN" altLang="en-US"/>
           </a:p>
@@ -1049,7 +1049,7 @@
             <a:fld id="{530820CF-B880-4189-942D-D702A7CBA730}" type="datetimeFigureOut">
               <a:rPr lang="zh-CN" altLang="en-US" smtClean="0"/>
               <a:pPr/>
-              <a:t>2015/4/14</a:t>
+              <a:t>2015/4/21</a:t>
             </a:fld>
             <a:endParaRPr lang="zh-CN" altLang="en-US"/>
           </a:p>
@@ -1334,7 +1334,7 @@
             <a:fld id="{530820CF-B880-4189-942D-D702A7CBA730}" type="datetimeFigureOut">
               <a:rPr lang="zh-CN" altLang="en-US" smtClean="0"/>
               <a:pPr/>
-              <a:t>2015/4/14</a:t>
+              <a:t>2015/4/21</a:t>
             </a:fld>
             <a:endParaRPr lang="zh-CN" altLang="en-US"/>
           </a:p>
@@ -1753,7 +1753,7 @@
             <a:fld id="{530820CF-B880-4189-942D-D702A7CBA730}" type="datetimeFigureOut">
               <a:rPr lang="zh-CN" altLang="en-US" smtClean="0"/>
               <a:pPr/>
-              <a:t>2015/4/14</a:t>
+              <a:t>2015/4/21</a:t>
             </a:fld>
             <a:endParaRPr lang="zh-CN" altLang="en-US"/>
           </a:p>
@@ -1868,7 +1868,7 @@
             <a:fld id="{530820CF-B880-4189-942D-D702A7CBA730}" type="datetimeFigureOut">
               <a:rPr lang="zh-CN" altLang="en-US" smtClean="0"/>
               <a:pPr/>
-              <a:t>2015/4/14</a:t>
+              <a:t>2015/4/21</a:t>
             </a:fld>
             <a:endParaRPr lang="zh-CN" altLang="en-US"/>
           </a:p>
@@ -1960,7 +1960,7 @@
             <a:fld id="{530820CF-B880-4189-942D-D702A7CBA730}" type="datetimeFigureOut">
               <a:rPr lang="zh-CN" altLang="en-US" smtClean="0"/>
               <a:pPr/>
-              <a:t>2015/4/14</a:t>
+              <a:t>2015/4/21</a:t>
             </a:fld>
             <a:endParaRPr lang="zh-CN" altLang="en-US"/>
           </a:p>
@@ -2234,7 +2234,7 @@
             <a:fld id="{530820CF-B880-4189-942D-D702A7CBA730}" type="datetimeFigureOut">
               <a:rPr lang="zh-CN" altLang="en-US" smtClean="0"/>
               <a:pPr/>
-              <a:t>2015/4/14</a:t>
+              <a:t>2015/4/21</a:t>
             </a:fld>
             <a:endParaRPr lang="zh-CN" altLang="en-US"/>
           </a:p>
@@ -2484,7 +2484,7 @@
             <a:fld id="{530820CF-B880-4189-942D-D702A7CBA730}" type="datetimeFigureOut">
               <a:rPr lang="zh-CN" altLang="en-US" smtClean="0"/>
               <a:pPr/>
-              <a:t>2015/4/14</a:t>
+              <a:t>2015/4/21</a:t>
             </a:fld>
             <a:endParaRPr lang="zh-CN" altLang="en-US"/>
           </a:p>
@@ -2694,7 +2694,7 @@
             <a:fld id="{530820CF-B880-4189-942D-D702A7CBA730}" type="datetimeFigureOut">
               <a:rPr lang="zh-CN" altLang="en-US" smtClean="0"/>
               <a:pPr/>
-              <a:t>2015/4/14</a:t>
+              <a:t>2015/4/21</a:t>
             </a:fld>
             <a:endParaRPr lang="zh-CN" altLang="en-US"/>
           </a:p>
@@ -3083,19 +3083,11 @@
             <a:pPr lvl="0"/>
             <a:r>
               <a:rPr lang="zh-CN" altLang="zh-CN" dirty="0" smtClean="0"/>
-              <a:t>初</a:t>
-            </a:r>
-            <a:r>
-              <a:rPr lang="zh-CN" altLang="zh-CN" dirty="0" smtClean="0"/>
-              <a:t>识</a:t>
+              <a:t>初识</a:t>
             </a:r>
             <a:r>
               <a:rPr lang="en-US" altLang="zh-CN" dirty="0" smtClean="0"/>
-              <a:t>J</a:t>
-            </a:r>
-            <a:r>
-              <a:rPr lang="en-US" altLang="zh-CN" dirty="0" smtClean="0"/>
-              <a:t>ava</a:t>
+              <a:t>Java</a:t>
             </a:r>
             <a:endParaRPr lang="zh-CN" altLang="en-US" dirty="0"/>
           </a:p>
@@ -3197,11 +3189,7 @@
           <a:p>
             <a:r>
               <a:rPr lang="zh-CN" altLang="en-US" dirty="0" smtClean="0"/>
-              <a:t>程</a:t>
-            </a:r>
-            <a:r>
-              <a:rPr lang="zh-CN" altLang="en-US" dirty="0" smtClean="0"/>
-              <a:t>序</a:t>
+              <a:t>程序</a:t>
             </a:r>
             <a:r>
               <a:rPr lang="en-US" altLang="zh-CN" dirty="0" smtClean="0"/>
@@ -3231,11 +3219,7 @@
           <a:p>
             <a:r>
               <a:rPr lang="zh-CN" altLang="en-US" dirty="0" smtClean="0"/>
-              <a:t>输</a:t>
-            </a:r>
-            <a:r>
-              <a:rPr lang="zh-CN" altLang="en-US" dirty="0" smtClean="0"/>
-              <a:t>入与输出</a:t>
+              <a:t>输入与输出</a:t>
             </a:r>
             <a:endParaRPr lang="en-US" altLang="zh-CN" dirty="0" smtClean="0"/>
           </a:p>
@@ -3261,11 +3245,7 @@
           <a:p>
             <a:r>
               <a:rPr lang="zh-CN" altLang="en-US" dirty="0" smtClean="0"/>
-              <a:t>大</a:t>
-            </a:r>
-            <a:r>
-              <a:rPr lang="zh-CN" altLang="en-US" dirty="0" smtClean="0"/>
-              <a:t>量应用于企业级开发</a:t>
+              <a:t>大量应用于企业级开发</a:t>
             </a:r>
             <a:endParaRPr lang="zh-CN" altLang="en-US" dirty="0"/>
           </a:p>
@@ -3331,11 +3311,7 @@
             </a:r>
             <a:r>
               <a:rPr lang="zh-CN" altLang="zh-CN" dirty="0" smtClean="0"/>
-              <a:t>运行环</a:t>
-            </a:r>
-            <a:r>
-              <a:rPr lang="zh-CN" altLang="zh-CN" dirty="0" smtClean="0"/>
-              <a:t>境</a:t>
+              <a:t>运行环境</a:t>
             </a:r>
             <a:endParaRPr lang="zh-CN" altLang="en-US" dirty="0"/>
           </a:p>
@@ -3450,11 +3426,7 @@
             </a:r>
             <a:r>
               <a:rPr lang="zh-CN" altLang="zh-CN" dirty="0" smtClean="0"/>
-              <a:t>代</a:t>
-            </a:r>
-            <a:r>
-              <a:rPr lang="zh-CN" altLang="zh-CN" dirty="0" smtClean="0"/>
-              <a:t>码</a:t>
+              <a:t>代码</a:t>
             </a:r>
             <a:endParaRPr lang="zh-CN" altLang="en-US" dirty="0"/>
           </a:p>
@@ -3487,11 +3459,7 @@
           <a:p>
             <a:r>
               <a:rPr lang="zh-CN" altLang="en-US" dirty="0" smtClean="0"/>
-              <a:t>使</a:t>
-            </a:r>
-            <a:r>
-              <a:rPr lang="zh-CN" altLang="en-US" dirty="0" smtClean="0"/>
-              <a:t>用</a:t>
+              <a:t>使用</a:t>
             </a:r>
             <a:r>
               <a:rPr lang="en-US" altLang="zh-CN" dirty="0" smtClean="0"/>
@@ -3587,11 +3555,7 @@
             </a:r>
             <a:r>
               <a:rPr lang="zh-CN" altLang="zh-CN" dirty="0" smtClean="0"/>
-              <a:t>程</a:t>
-            </a:r>
-            <a:r>
-              <a:rPr lang="zh-CN" altLang="zh-CN" dirty="0" smtClean="0"/>
-              <a:t>序</a:t>
+              <a:t>程序</a:t>
             </a:r>
             <a:endParaRPr lang="zh-CN" altLang="en-US" dirty="0"/>
           </a:p>
@@ -3614,11 +3578,7 @@
           <a:p>
             <a:r>
               <a:rPr lang="zh-CN" altLang="en-US" dirty="0" smtClean="0"/>
-              <a:t>计</a:t>
-            </a:r>
-            <a:r>
-              <a:rPr lang="zh-CN" altLang="en-US" dirty="0" smtClean="0"/>
-              <a:t>算圆的面积</a:t>
+              <a:t>计算圆的面积</a:t>
             </a:r>
             <a:endParaRPr lang="zh-CN" altLang="en-US" dirty="0"/>
           </a:p>
@@ -3629,6 +3589,13 @@
   <p:clrMapOvr>
     <a:masterClrMapping/>
   </p:clrMapOvr>
+  <p:timing>
+    <p:tnLst>
+      <p:par>
+        <p:cTn id="1" dur="indefinite" restart="never" nodeType="tmRoot"/>
+      </p:par>
+    </p:tnLst>
+  </p:timing>
 </p:sld>
 </file>
 
@@ -3669,11 +3636,7 @@
             <a:pPr lvl="0"/>
             <a:r>
               <a:rPr lang="zh-CN" altLang="zh-CN" dirty="0" smtClean="0"/>
-              <a:t>如何解决程序错</a:t>
-            </a:r>
-            <a:r>
-              <a:rPr lang="zh-CN" altLang="zh-CN" dirty="0" smtClean="0"/>
-              <a:t>误</a:t>
+              <a:t>如何解决程序错误</a:t>
             </a:r>
             <a:endParaRPr lang="zh-CN" altLang="en-US" dirty="0"/>
           </a:p>
@@ -3703,11 +3666,7 @@
           <a:p>
             <a:r>
               <a:rPr lang="zh-CN" altLang="en-US" dirty="0" smtClean="0"/>
-              <a:t>断</a:t>
-            </a:r>
-            <a:r>
-              <a:rPr lang="zh-CN" altLang="en-US" dirty="0" smtClean="0"/>
-              <a:t>点</a:t>
+              <a:t>断点</a:t>
             </a:r>
             <a:endParaRPr lang="en-US" altLang="zh-CN" dirty="0" smtClean="0"/>
           </a:p>
@@ -3795,11 +3754,7 @@
           <a:p>
             <a:r>
               <a:rPr lang="zh-CN" altLang="en-US" dirty="0" smtClean="0"/>
-              <a:t>多</a:t>
-            </a:r>
-            <a:r>
-              <a:rPr lang="zh-CN" altLang="en-US" dirty="0" smtClean="0"/>
-              <a:t>行注释 </a:t>
+              <a:t>多行注释 </a:t>
             </a:r>
             <a:r>
               <a:rPr lang="en-US" altLang="zh-CN" dirty="0" smtClean="0"/>
@@ -3814,12 +3769,20 @@
               <a:rPr lang="en-US" altLang="zh-CN" dirty="0" err="1" smtClean="0"/>
               <a:t>System.out.printf</a:t>
             </a:r>
+            <a:r>
+              <a:rPr lang="en-US" altLang="zh-CN" dirty="0" smtClean="0"/>
+              <a:t>(“%d %f”, x, y)</a:t>
+            </a:r>
             <a:endParaRPr lang="en-US" altLang="zh-CN" dirty="0" smtClean="0"/>
           </a:p>
           <a:p>
             <a:r>
               <a:rPr lang="en-US" altLang="zh-CN" dirty="0" err="1" smtClean="0"/>
               <a:t>System.out.print</a:t>
+            </a:r>
+            <a:r>
+              <a:rPr lang="en-US" altLang="zh-CN" dirty="0" smtClean="0"/>
+              <a:t>(“hello world” + x + y);</a:t>
             </a:r>
             <a:endParaRPr lang="en-US" altLang="zh-CN" dirty="0" smtClean="0"/>
           </a:p>

--- a/lesson6/Java-basic.pptx
+++ b/lesson6/Java-basic.pptx
@@ -295,7 +295,7 @@
             <a:fld id="{530820CF-B880-4189-942D-D702A7CBA730}" type="datetimeFigureOut">
               <a:rPr lang="zh-CN" altLang="en-US" smtClean="0"/>
               <a:pPr/>
-              <a:t>2015/4/21</a:t>
+              <a:t>2015/4/22</a:t>
             </a:fld>
             <a:endParaRPr lang="zh-CN" altLang="en-US"/>
           </a:p>
@@ -462,7 +462,7 @@
             <a:fld id="{530820CF-B880-4189-942D-D702A7CBA730}" type="datetimeFigureOut">
               <a:rPr lang="zh-CN" altLang="en-US" smtClean="0"/>
               <a:pPr/>
-              <a:t>2015/4/21</a:t>
+              <a:t>2015/4/22</a:t>
             </a:fld>
             <a:endParaRPr lang="zh-CN" altLang="en-US"/>
           </a:p>
@@ -639,7 +639,7 @@
             <a:fld id="{530820CF-B880-4189-942D-D702A7CBA730}" type="datetimeFigureOut">
               <a:rPr lang="zh-CN" altLang="en-US" smtClean="0"/>
               <a:pPr/>
-              <a:t>2015/4/21</a:t>
+              <a:t>2015/4/22</a:t>
             </a:fld>
             <a:endParaRPr lang="zh-CN" altLang="en-US"/>
           </a:p>
@@ -806,7 +806,7 @@
             <a:fld id="{530820CF-B880-4189-942D-D702A7CBA730}" type="datetimeFigureOut">
               <a:rPr lang="zh-CN" altLang="en-US" smtClean="0"/>
               <a:pPr/>
-              <a:t>2015/4/21</a:t>
+              <a:t>2015/4/22</a:t>
             </a:fld>
             <a:endParaRPr lang="zh-CN" altLang="en-US"/>
           </a:p>
@@ -1049,7 +1049,7 @@
             <a:fld id="{530820CF-B880-4189-942D-D702A7CBA730}" type="datetimeFigureOut">
               <a:rPr lang="zh-CN" altLang="en-US" smtClean="0"/>
               <a:pPr/>
-              <a:t>2015/4/21</a:t>
+              <a:t>2015/4/22</a:t>
             </a:fld>
             <a:endParaRPr lang="zh-CN" altLang="en-US"/>
           </a:p>
@@ -1334,7 +1334,7 @@
             <a:fld id="{530820CF-B880-4189-942D-D702A7CBA730}" type="datetimeFigureOut">
               <a:rPr lang="zh-CN" altLang="en-US" smtClean="0"/>
               <a:pPr/>
-              <a:t>2015/4/21</a:t>
+              <a:t>2015/4/22</a:t>
             </a:fld>
             <a:endParaRPr lang="zh-CN" altLang="en-US"/>
           </a:p>
@@ -1753,7 +1753,7 @@
             <a:fld id="{530820CF-B880-4189-942D-D702A7CBA730}" type="datetimeFigureOut">
               <a:rPr lang="zh-CN" altLang="en-US" smtClean="0"/>
               <a:pPr/>
-              <a:t>2015/4/21</a:t>
+              <a:t>2015/4/22</a:t>
             </a:fld>
             <a:endParaRPr lang="zh-CN" altLang="en-US"/>
           </a:p>
@@ -1868,7 +1868,7 @@
             <a:fld id="{530820CF-B880-4189-942D-D702A7CBA730}" type="datetimeFigureOut">
               <a:rPr lang="zh-CN" altLang="en-US" smtClean="0"/>
               <a:pPr/>
-              <a:t>2015/4/21</a:t>
+              <a:t>2015/4/22</a:t>
             </a:fld>
             <a:endParaRPr lang="zh-CN" altLang="en-US"/>
           </a:p>
@@ -1960,7 +1960,7 @@
             <a:fld id="{530820CF-B880-4189-942D-D702A7CBA730}" type="datetimeFigureOut">
               <a:rPr lang="zh-CN" altLang="en-US" smtClean="0"/>
               <a:pPr/>
-              <a:t>2015/4/21</a:t>
+              <a:t>2015/4/22</a:t>
             </a:fld>
             <a:endParaRPr lang="zh-CN" altLang="en-US"/>
           </a:p>
@@ -2234,7 +2234,7 @@
             <a:fld id="{530820CF-B880-4189-942D-D702A7CBA730}" type="datetimeFigureOut">
               <a:rPr lang="zh-CN" altLang="en-US" smtClean="0"/>
               <a:pPr/>
-              <a:t>2015/4/21</a:t>
+              <a:t>2015/4/22</a:t>
             </a:fld>
             <a:endParaRPr lang="zh-CN" altLang="en-US"/>
           </a:p>
@@ -2484,7 +2484,7 @@
             <a:fld id="{530820CF-B880-4189-942D-D702A7CBA730}" type="datetimeFigureOut">
               <a:rPr lang="zh-CN" altLang="en-US" smtClean="0"/>
               <a:pPr/>
-              <a:t>2015/4/21</a:t>
+              <a:t>2015/4/22</a:t>
             </a:fld>
             <a:endParaRPr lang="zh-CN" altLang="en-US"/>
           </a:p>
@@ -2694,7 +2694,7 @@
             <a:fld id="{530820CF-B880-4189-942D-D702A7CBA730}" type="datetimeFigureOut">
               <a:rPr lang="zh-CN" altLang="en-US" smtClean="0"/>
               <a:pPr/>
-              <a:t>2015/4/21</a:t>
+              <a:t>2015/4/22</a:t>
             </a:fld>
             <a:endParaRPr lang="zh-CN" altLang="en-US"/>
           </a:p>
@@ -3578,7 +3578,70 @@
           <a:p>
             <a:r>
               <a:rPr lang="zh-CN" altLang="en-US" dirty="0" smtClean="0"/>
-              <a:t>计算圆的面积</a:t>
+              <a:t>计算圆的面</a:t>
+            </a:r>
+            <a:r>
+              <a:rPr lang="zh-CN" altLang="en-US" dirty="0" smtClean="0"/>
+              <a:t>积</a:t>
+            </a:r>
+            <a:endParaRPr lang="en-US" altLang="zh-CN" dirty="0" smtClean="0"/>
+          </a:p>
+          <a:p>
+            <a:pPr lvl="1"/>
+            <a:r>
+              <a:rPr lang="zh-CN" altLang="en-US" dirty="0" smtClean="0"/>
+              <a:t>使</a:t>
+            </a:r>
+            <a:r>
+              <a:rPr lang="zh-CN" altLang="en-US" dirty="0" smtClean="0"/>
+              <a:t>用</a:t>
+            </a:r>
+            <a:r>
+              <a:rPr lang="en-US" altLang="zh-CN" dirty="0" smtClean="0"/>
+              <a:t>eclipse</a:t>
+            </a:r>
+          </a:p>
+          <a:p>
+            <a:pPr lvl="1"/>
+            <a:r>
+              <a:rPr lang="zh-CN" altLang="en-US" dirty="0" smtClean="0"/>
+              <a:t>使</a:t>
+            </a:r>
+            <a:r>
+              <a:rPr lang="zh-CN" altLang="en-US" dirty="0" smtClean="0"/>
+              <a:t>用编辑器</a:t>
+            </a:r>
+            <a:r>
+              <a:rPr lang="en-US" altLang="zh-CN" dirty="0" smtClean="0"/>
+              <a:t>(notepad) + </a:t>
+            </a:r>
+            <a:r>
+              <a:rPr lang="zh-CN" altLang="en-US" dirty="0" smtClean="0"/>
+              <a:t>编译器</a:t>
+            </a:r>
+            <a:endParaRPr lang="en-US" altLang="zh-CN" dirty="0" smtClean="0"/>
+          </a:p>
+          <a:p>
+            <a:pPr lvl="2"/>
+            <a:r>
+              <a:rPr lang="en-US" altLang="zh-CN" dirty="0" err="1" smtClean="0"/>
+              <a:t>javac</a:t>
+            </a:r>
+            <a:r>
+              <a:rPr lang="en-US" altLang="zh-CN" dirty="0" smtClean="0"/>
+              <a:t> </a:t>
+            </a:r>
+            <a:r>
+              <a:rPr lang="en-US" altLang="zh-CN" dirty="0" err="1" smtClean="0"/>
+              <a:t>Circle.java</a:t>
+            </a:r>
+            <a:endParaRPr lang="en-US" altLang="zh-CN" dirty="0" smtClean="0"/>
+          </a:p>
+          <a:p>
+            <a:pPr lvl="2"/>
+            <a:r>
+              <a:rPr lang="en-US" altLang="zh-CN" smtClean="0"/>
+              <a:t>java Circle</a:t>
             </a:r>
             <a:endParaRPr lang="zh-CN" altLang="en-US" dirty="0"/>
           </a:p>
@@ -3684,6 +3747,13 @@
   <p:clrMapOvr>
     <a:masterClrMapping/>
   </p:clrMapOvr>
+  <p:timing>
+    <p:tnLst>
+      <p:par>
+        <p:cTn id="1" dur="indefinite" restart="never" nodeType="tmRoot"/>
+      </p:par>
+    </p:tnLst>
+  </p:timing>
 </p:sld>
 </file>
 
@@ -3773,7 +3843,6 @@
               <a:rPr lang="en-US" altLang="zh-CN" dirty="0" smtClean="0"/>
               <a:t>(“%d %f”, x, y)</a:t>
             </a:r>
-            <a:endParaRPr lang="en-US" altLang="zh-CN" dirty="0" smtClean="0"/>
           </a:p>
           <a:p>
             <a:r>
@@ -3784,7 +3853,6 @@
               <a:rPr lang="en-US" altLang="zh-CN" dirty="0" smtClean="0"/>
               <a:t>(“hello world” + x + y);</a:t>
             </a:r>
-            <a:endParaRPr lang="en-US" altLang="zh-CN" dirty="0" smtClean="0"/>
           </a:p>
           <a:p>
             <a:r>
@@ -3806,6 +3874,13 @@
   <p:clrMapOvr>
     <a:masterClrMapping/>
   </p:clrMapOvr>
+  <p:timing>
+    <p:tnLst>
+      <p:par>
+        <p:cTn id="1" dur="indefinite" restart="never" nodeType="tmRoot"/>
+      </p:par>
+    </p:tnLst>
+  </p:timing>
 </p:sld>
 </file>
 
